--- a/Slide_presentation/Présentation Projet Californie.pptx
+++ b/Slide_presentation/Présentation Projet Californie.pptx
@@ -804,7 +804,7 @@
   <p:cSld>
     <p:spTree>
       <p:nvGrpSpPr>
-        <p:cNvPr id="56" name="Shape 56"/>
+        <p:cNvPr id="57" name="Shape 57"/>
         <p:cNvGrpSpPr/>
         <p:nvPr/>
       </p:nvGrpSpPr>
@@ -818,7 +818,7 @@
       </p:grpSpPr>
       <p:sp>
         <p:nvSpPr>
-          <p:cNvPr id="57" name="Google Shape;57;gf2a41f69eb_0_61:notes"/>
+          <p:cNvPr id="58" name="Google Shape;58;gf2a41f69eb_0_61:notes"/>
           <p:cNvSpPr/>
           <p:nvPr>
             <p:ph idx="2" type="sldImg"/>
@@ -853,7 +853,7 @@
       </p:sp>
       <p:sp>
         <p:nvSpPr>
-          <p:cNvPr id="58" name="Google Shape;58;gf2a41f69eb_0_61:notes"/>
+          <p:cNvPr id="59" name="Google Shape;59;gf2a41f69eb_0_61:notes"/>
           <p:cNvSpPr txBox="1"/>
           <p:nvPr>
             <p:ph idx="1" type="body"/>
@@ -903,7 +903,7 @@
   <p:cSld>
     <p:spTree>
       <p:nvGrpSpPr>
-        <p:cNvPr id="65" name="Shape 65"/>
+        <p:cNvPr id="67" name="Shape 67"/>
         <p:cNvGrpSpPr/>
         <p:nvPr/>
       </p:nvGrpSpPr>
@@ -917,7 +917,7 @@
       </p:grpSpPr>
       <p:sp>
         <p:nvSpPr>
-          <p:cNvPr id="66" name="Google Shape;66;gf2a41f69eb_0_150:notes"/>
+          <p:cNvPr id="68" name="Google Shape;68;gf2a41f69eb_0_150:notes"/>
           <p:cNvSpPr/>
           <p:nvPr>
             <p:ph idx="2" type="sldImg"/>
@@ -952,7 +952,7 @@
       </p:sp>
       <p:sp>
         <p:nvSpPr>
-          <p:cNvPr id="67" name="Google Shape;67;gf2a41f69eb_0_150:notes"/>
+          <p:cNvPr id="69" name="Google Shape;69;gf2a41f69eb_0_150:notes"/>
           <p:cNvSpPr txBox="1"/>
           <p:nvPr>
             <p:ph idx="1" type="body"/>
@@ -1002,7 +1002,7 @@
   <p:cSld>
     <p:spTree>
       <p:nvGrpSpPr>
-        <p:cNvPr id="73" name="Shape 73"/>
+        <p:cNvPr id="76" name="Shape 76"/>
         <p:cNvGrpSpPr/>
         <p:nvPr/>
       </p:nvGrpSpPr>
@@ -1016,7 +1016,7 @@
       </p:grpSpPr>
       <p:sp>
         <p:nvSpPr>
-          <p:cNvPr id="74" name="Google Shape;74;gf2a41f69eb_0_154:notes"/>
+          <p:cNvPr id="77" name="Google Shape;77;gf2a41f69eb_0_154:notes"/>
           <p:cNvSpPr/>
           <p:nvPr>
             <p:ph idx="2" type="sldImg"/>
@@ -1051,7 +1051,7 @@
       </p:sp>
       <p:sp>
         <p:nvSpPr>
-          <p:cNvPr id="75" name="Google Shape;75;gf2a41f69eb_0_154:notes"/>
+          <p:cNvPr id="78" name="Google Shape;78;gf2a41f69eb_0_154:notes"/>
           <p:cNvSpPr txBox="1"/>
           <p:nvPr>
             <p:ph idx="1" type="body"/>
@@ -1101,7 +1101,7 @@
   <p:cSld>
     <p:spTree>
       <p:nvGrpSpPr>
-        <p:cNvPr id="81" name="Shape 81"/>
+        <p:cNvPr id="85" name="Shape 85"/>
         <p:cNvGrpSpPr/>
         <p:nvPr/>
       </p:nvGrpSpPr>
@@ -1115,7 +1115,7 @@
       </p:grpSpPr>
       <p:sp>
         <p:nvSpPr>
-          <p:cNvPr id="82" name="Google Shape;82;gf2a41f69eb_0_158:notes"/>
+          <p:cNvPr id="86" name="Google Shape;86;gf2a41f69eb_0_158:notes"/>
           <p:cNvSpPr/>
           <p:nvPr>
             <p:ph idx="2" type="sldImg"/>
@@ -1150,7 +1150,7 @@
       </p:sp>
       <p:sp>
         <p:nvSpPr>
-          <p:cNvPr id="83" name="Google Shape;83;gf2a41f69eb_0_158:notes"/>
+          <p:cNvPr id="87" name="Google Shape;87;gf2a41f69eb_0_158:notes"/>
           <p:cNvSpPr txBox="1"/>
           <p:nvPr>
             <p:ph idx="1" type="body"/>
@@ -1200,7 +1200,7 @@
   <p:cSld>
     <p:spTree>
       <p:nvGrpSpPr>
-        <p:cNvPr id="91" name="Shape 91"/>
+        <p:cNvPr id="96" name="Shape 96"/>
         <p:cNvGrpSpPr/>
         <p:nvPr/>
       </p:nvGrpSpPr>
@@ -1214,7 +1214,7 @@
       </p:grpSpPr>
       <p:sp>
         <p:nvSpPr>
-          <p:cNvPr id="92" name="Google Shape;92;gf2a41f69eb_0_162:notes"/>
+          <p:cNvPr id="97" name="Google Shape;97;gf2a41f69eb_0_162:notes"/>
           <p:cNvSpPr/>
           <p:nvPr>
             <p:ph idx="2" type="sldImg"/>
@@ -1249,7 +1249,7 @@
       </p:sp>
       <p:sp>
         <p:nvSpPr>
-          <p:cNvPr id="93" name="Google Shape;93;gf2a41f69eb_0_162:notes"/>
+          <p:cNvPr id="98" name="Google Shape;98;gf2a41f69eb_0_162:notes"/>
           <p:cNvSpPr txBox="1"/>
           <p:nvPr>
             <p:ph idx="1" type="body"/>
@@ -5948,17 +5948,9 @@
   <p:cSld>
     <p:bg>
       <p:bgPr>
-        <a:gradFill>
-          <a:gsLst>
-            <a:gs pos="0">
-              <a:srgbClr val="D4E5F5"/>
-            </a:gs>
-            <a:gs pos="100000">
-              <a:srgbClr val="70A4D5"/>
-            </a:gs>
-          </a:gsLst>
-          <a:lin ang="5400012" scaled="0"/>
-        </a:gradFill>
+        <a:solidFill>
+          <a:schemeClr val="lt1"/>
+        </a:solidFill>
       </p:bgPr>
     </p:bg>
     <p:spTree>
@@ -5991,7 +5983,7 @@
         </p:blipFill>
         <p:spPr>
           <a:xfrm>
-            <a:off x="0" y="0"/>
+            <a:off x="1456313" y="0"/>
             <a:ext cx="6231365" cy="5143500"/>
           </a:xfrm>
           <a:prstGeom prst="rect">
@@ -6013,7 +6005,7 @@
         </p:nvSpPr>
         <p:spPr>
           <a:xfrm>
-            <a:off x="3584950" y="1060925"/>
+            <a:off x="4081850" y="308875"/>
             <a:ext cx="5412000" cy="2471100"/>
           </a:xfrm>
           <a:prstGeom prst="rect">
@@ -6037,12 +6029,24 @@
             </a:pPr>
             <a:r>
               <a:rPr b="1" lang="fr" sz="5000">
+                <a:solidFill>
+                  <a:schemeClr val="accent1"/>
+                </a:solidFill>
                 <a:latin typeface="Economica"/>
                 <a:ea typeface="Economica"/>
                 <a:cs typeface="Economica"/>
                 <a:sym typeface="Economica"/>
               </a:rPr>
-              <a:t>Model predict for</a:t>
+              <a:t>Model predic</a:t>
+            </a:r>
+            <a:r>
+              <a:rPr b="1" lang="fr" sz="5000">
+                <a:latin typeface="Economica"/>
+                <a:ea typeface="Economica"/>
+                <a:cs typeface="Economica"/>
+                <a:sym typeface="Economica"/>
+              </a:rPr>
+              <a:t>t for</a:t>
             </a:r>
             <a:endParaRPr b="1" sz="5000">
               <a:latin typeface="Economica"/>
@@ -6063,12 +6067,36 @@
             </a:pPr>
             <a:r>
               <a:rPr b="1" lang="fr" sz="5000">
+                <a:solidFill>
+                  <a:schemeClr val="accent1"/>
+                </a:solidFill>
                 <a:latin typeface="Economica"/>
                 <a:ea typeface="Economica"/>
                 <a:cs typeface="Economica"/>
                 <a:sym typeface="Economica"/>
               </a:rPr>
-              <a:t>California</a:t>
+              <a:t>  </a:t>
+            </a:r>
+            <a:r>
+              <a:rPr b="1" lang="fr" sz="5000">
+                <a:solidFill>
+                  <a:schemeClr val="accent1"/>
+                </a:solidFill>
+                <a:latin typeface="Economica"/>
+                <a:ea typeface="Economica"/>
+                <a:cs typeface="Economica"/>
+                <a:sym typeface="Economica"/>
+              </a:rPr>
+              <a:t>Californi</a:t>
+            </a:r>
+            <a:r>
+              <a:rPr b="1" lang="fr" sz="5000">
+                <a:latin typeface="Economica"/>
+                <a:ea typeface="Economica"/>
+                <a:cs typeface="Economica"/>
+                <a:sym typeface="Economica"/>
+              </a:rPr>
+              <a:t>a</a:t>
             </a:r>
             <a:endParaRPr b="1" sz="5000">
               <a:latin typeface="Economica"/>
@@ -6079,6 +6107,34 @@
           </a:p>
         </p:txBody>
       </p:sp>
+      <p:pic>
+        <p:nvPicPr>
+          <p:cNvPr id="56" name="Google Shape;56;p13"/>
+          <p:cNvPicPr preferRelativeResize="0"/>
+          <p:nvPr/>
+        </p:nvPicPr>
+        <p:blipFill>
+          <a:blip r:embed="rId4">
+            <a:alphaModFix/>
+          </a:blip>
+          <a:stretch>
+            <a:fillRect/>
+          </a:stretch>
+        </p:blipFill>
+        <p:spPr>
+          <a:xfrm>
+            <a:off x="-1" y="3848998"/>
+            <a:ext cx="1456326" cy="1294502"/>
+          </a:xfrm>
+          <a:prstGeom prst="rect">
+            <a:avLst/>
+          </a:prstGeom>
+          <a:noFill/>
+          <a:ln>
+            <a:noFill/>
+          </a:ln>
+        </p:spPr>
+      </p:pic>
     </p:spTree>
   </p:cSld>
   <p:clrMapOvr>
@@ -6107,7 +6163,7 @@
     </p:bg>
     <p:spTree>
       <p:nvGrpSpPr>
-        <p:cNvPr id="59" name="Shape 59"/>
+        <p:cNvPr id="60" name="Shape 60"/>
         <p:cNvGrpSpPr/>
         <p:nvPr/>
       </p:nvGrpSpPr>
@@ -6121,7 +6177,7 @@
       </p:grpSpPr>
       <p:sp>
         <p:nvSpPr>
-          <p:cNvPr id="60" name="Google Shape;60;p14"/>
+          <p:cNvPr id="61" name="Google Shape;61;p14"/>
           <p:cNvSpPr txBox="1"/>
           <p:nvPr/>
         </p:nvSpPr>
@@ -6185,7 +6241,7 @@
       </p:sp>
       <p:sp>
         <p:nvSpPr>
-          <p:cNvPr id="61" name="Google Shape;61;p14"/>
+          <p:cNvPr id="62" name="Google Shape;62;p14"/>
           <p:cNvSpPr txBox="1"/>
           <p:nvPr/>
         </p:nvSpPr>
@@ -6341,7 +6397,7 @@
       </p:sp>
       <p:sp>
         <p:nvSpPr>
-          <p:cNvPr id="62" name="Google Shape;62;p14"/>
+          <p:cNvPr id="63" name="Google Shape;63;p14"/>
           <p:cNvSpPr txBox="1"/>
           <p:nvPr/>
         </p:nvSpPr>
@@ -6405,7 +6461,7 @@
       </p:sp>
       <p:sp>
         <p:nvSpPr>
-          <p:cNvPr id="63" name="Google Shape;63;p14"/>
+          <p:cNvPr id="64" name="Google Shape;64;p14"/>
           <p:cNvSpPr txBox="1"/>
           <p:nvPr/>
         </p:nvSpPr>
@@ -6519,7 +6575,7 @@
       </p:sp>
       <p:sp>
         <p:nvSpPr>
-          <p:cNvPr id="64" name="Google Shape;64;p14"/>
+          <p:cNvPr id="65" name="Google Shape;65;p14"/>
           <p:cNvSpPr/>
           <p:nvPr/>
         </p:nvSpPr>
@@ -6566,6 +6622,34 @@
           </a:p>
         </p:txBody>
       </p:sp>
+      <p:pic>
+        <p:nvPicPr>
+          <p:cNvPr id="66" name="Google Shape;66;p14"/>
+          <p:cNvPicPr preferRelativeResize="0"/>
+          <p:nvPr/>
+        </p:nvPicPr>
+        <p:blipFill>
+          <a:blip r:embed="rId3">
+            <a:alphaModFix/>
+          </a:blip>
+          <a:stretch>
+            <a:fillRect/>
+          </a:stretch>
+        </p:blipFill>
+        <p:spPr>
+          <a:xfrm>
+            <a:off x="7959205" y="-76200"/>
+            <a:ext cx="1337101" cy="1188524"/>
+          </a:xfrm>
+          <a:prstGeom prst="rect">
+            <a:avLst/>
+          </a:prstGeom>
+          <a:noFill/>
+          <a:ln>
+            <a:noFill/>
+          </a:ln>
+        </p:spPr>
+      </p:pic>
     </p:spTree>
   </p:cSld>
   <p:clrMapOvr>
@@ -6594,7 +6678,7 @@
     </p:bg>
     <p:spTree>
       <p:nvGrpSpPr>
-        <p:cNvPr id="68" name="Shape 68"/>
+        <p:cNvPr id="70" name="Shape 70"/>
         <p:cNvGrpSpPr/>
         <p:nvPr/>
       </p:nvGrpSpPr>
@@ -6608,7 +6692,7 @@
       </p:grpSpPr>
       <p:sp>
         <p:nvSpPr>
-          <p:cNvPr id="69" name="Google Shape;69;p15"/>
+          <p:cNvPr id="71" name="Google Shape;71;p15"/>
           <p:cNvSpPr txBox="1"/>
           <p:nvPr/>
         </p:nvSpPr>
@@ -6672,7 +6756,7 @@
       </p:sp>
       <p:pic>
         <p:nvPicPr>
-          <p:cNvPr id="70" name="Google Shape;70;p15"/>
+          <p:cNvPr id="72" name="Google Shape;72;p15"/>
           <p:cNvPicPr preferRelativeResize="0"/>
           <p:nvPr/>
         </p:nvPicPr>
@@ -6700,7 +6784,7 @@
       </p:pic>
       <p:sp>
         <p:nvSpPr>
-          <p:cNvPr id="71" name="Google Shape;71;p15"/>
+          <p:cNvPr id="73" name="Google Shape;73;p15"/>
           <p:cNvSpPr txBox="1"/>
           <p:nvPr/>
         </p:nvSpPr>
@@ -6822,7 +6906,7 @@
       </p:sp>
       <p:pic>
         <p:nvPicPr>
-          <p:cNvPr id="72" name="Google Shape;72;p15"/>
+          <p:cNvPr id="74" name="Google Shape;74;p15"/>
           <p:cNvPicPr preferRelativeResize="0"/>
           <p:nvPr/>
         </p:nvPicPr>
@@ -6838,6 +6922,34 @@
           <a:xfrm>
             <a:off x="4496175" y="607050"/>
             <a:ext cx="4647825" cy="3972401"/>
+          </a:xfrm>
+          <a:prstGeom prst="rect">
+            <a:avLst/>
+          </a:prstGeom>
+          <a:noFill/>
+          <a:ln>
+            <a:noFill/>
+          </a:ln>
+        </p:spPr>
+      </p:pic>
+      <p:pic>
+        <p:nvPicPr>
+          <p:cNvPr id="75" name="Google Shape;75;p15"/>
+          <p:cNvPicPr preferRelativeResize="0"/>
+          <p:nvPr/>
+        </p:nvPicPr>
+        <p:blipFill>
+          <a:blip r:embed="rId5">
+            <a:alphaModFix/>
+          </a:blip>
+          <a:stretch>
+            <a:fillRect/>
+          </a:stretch>
+        </p:blipFill>
+        <p:spPr>
+          <a:xfrm>
+            <a:off x="8449684" y="-76200"/>
+            <a:ext cx="770517" cy="684900"/>
           </a:xfrm>
           <a:prstGeom prst="rect">
             <a:avLst/>
@@ -6876,7 +6988,7 @@
     </p:bg>
     <p:spTree>
       <p:nvGrpSpPr>
-        <p:cNvPr id="76" name="Shape 76"/>
+        <p:cNvPr id="79" name="Shape 79"/>
         <p:cNvGrpSpPr/>
         <p:nvPr/>
       </p:nvGrpSpPr>
@@ -6890,7 +7002,7 @@
       </p:grpSpPr>
       <p:sp>
         <p:nvSpPr>
-          <p:cNvPr id="77" name="Google Shape;77;p16"/>
+          <p:cNvPr id="80" name="Google Shape;80;p16"/>
           <p:cNvSpPr txBox="1"/>
           <p:nvPr/>
         </p:nvSpPr>
@@ -6954,7 +7066,7 @@
       </p:sp>
       <p:sp>
         <p:nvSpPr>
-          <p:cNvPr id="78" name="Google Shape;78;p16"/>
+          <p:cNvPr id="81" name="Google Shape;81;p16"/>
           <p:cNvSpPr txBox="1"/>
           <p:nvPr/>
         </p:nvSpPr>
@@ -6996,7 +7108,7 @@
       </p:sp>
       <p:pic>
         <p:nvPicPr>
-          <p:cNvPr id="79" name="Google Shape;79;p16"/>
+          <p:cNvPr id="82" name="Google Shape;82;p16"/>
           <p:cNvPicPr preferRelativeResize="0"/>
           <p:nvPr/>
         </p:nvPicPr>
@@ -7024,7 +7136,7 @@
       </p:pic>
       <p:pic>
         <p:nvPicPr>
-          <p:cNvPr id="80" name="Google Shape;80;p16"/>
+          <p:cNvPr id="83" name="Google Shape;83;p16"/>
           <p:cNvPicPr preferRelativeResize="0"/>
           <p:nvPr/>
         </p:nvPicPr>
@@ -7040,6 +7152,34 @@
           <a:xfrm>
             <a:off x="4809350" y="2054825"/>
             <a:ext cx="3971925" cy="2552700"/>
+          </a:xfrm>
+          <a:prstGeom prst="rect">
+            <a:avLst/>
+          </a:prstGeom>
+          <a:noFill/>
+          <a:ln>
+            <a:noFill/>
+          </a:ln>
+        </p:spPr>
+      </p:pic>
+      <p:pic>
+        <p:nvPicPr>
+          <p:cNvPr id="84" name="Google Shape;84;p16"/>
+          <p:cNvPicPr preferRelativeResize="0"/>
+          <p:nvPr/>
+        </p:nvPicPr>
+        <p:blipFill>
+          <a:blip r:embed="rId5">
+            <a:alphaModFix/>
+          </a:blip>
+          <a:stretch>
+            <a:fillRect/>
+          </a:stretch>
+        </p:blipFill>
+        <p:spPr>
+          <a:xfrm>
+            <a:off x="7959305" y="-76200"/>
+            <a:ext cx="1337101" cy="1188524"/>
           </a:xfrm>
           <a:prstGeom prst="rect">
             <a:avLst/>
@@ -7078,7 +7218,7 @@
     </p:bg>
     <p:spTree>
       <p:nvGrpSpPr>
-        <p:cNvPr id="84" name="Shape 84"/>
+        <p:cNvPr id="88" name="Shape 88"/>
         <p:cNvGrpSpPr/>
         <p:nvPr/>
       </p:nvGrpSpPr>
@@ -7092,7 +7232,7 @@
       </p:grpSpPr>
       <p:sp>
         <p:nvSpPr>
-          <p:cNvPr id="85" name="Google Shape;85;p17"/>
+          <p:cNvPr id="89" name="Google Shape;89;p17"/>
           <p:cNvSpPr txBox="1"/>
           <p:nvPr/>
         </p:nvSpPr>
@@ -7156,7 +7296,7 @@
       </p:sp>
       <p:pic>
         <p:nvPicPr>
-          <p:cNvPr id="86" name="Google Shape;86;p17"/>
+          <p:cNvPr id="90" name="Google Shape;90;p17"/>
           <p:cNvPicPr preferRelativeResize="0"/>
           <p:nvPr/>
         </p:nvPicPr>
@@ -7184,7 +7324,7 @@
       </p:pic>
       <p:pic>
         <p:nvPicPr>
-          <p:cNvPr id="87" name="Google Shape;87;p17"/>
+          <p:cNvPr id="91" name="Google Shape;91;p17"/>
           <p:cNvPicPr preferRelativeResize="0"/>
           <p:nvPr/>
         </p:nvPicPr>
@@ -7212,7 +7352,7 @@
       </p:pic>
       <p:sp>
         <p:nvSpPr>
-          <p:cNvPr id="88" name="Google Shape;88;p17"/>
+          <p:cNvPr id="92" name="Google Shape;92;p17"/>
           <p:cNvSpPr txBox="1"/>
           <p:nvPr/>
         </p:nvSpPr>
@@ -7254,7 +7394,7 @@
       </p:sp>
       <p:pic>
         <p:nvPicPr>
-          <p:cNvPr id="89" name="Google Shape;89;p17"/>
+          <p:cNvPr id="93" name="Google Shape;93;p17"/>
           <p:cNvPicPr preferRelativeResize="0"/>
           <p:nvPr/>
         </p:nvPicPr>
@@ -7282,7 +7422,7 @@
       </p:pic>
       <p:sp>
         <p:nvSpPr>
-          <p:cNvPr id="90" name="Google Shape;90;p17"/>
+          <p:cNvPr id="94" name="Google Shape;94;p17"/>
           <p:cNvSpPr txBox="1"/>
           <p:nvPr/>
         </p:nvSpPr>
@@ -7322,6 +7462,34 @@
           </a:p>
         </p:txBody>
       </p:sp>
+      <p:pic>
+        <p:nvPicPr>
+          <p:cNvPr id="95" name="Google Shape;95;p17"/>
+          <p:cNvPicPr preferRelativeResize="0"/>
+          <p:nvPr/>
+        </p:nvPicPr>
+        <p:blipFill>
+          <a:blip r:embed="rId6">
+            <a:alphaModFix/>
+          </a:blip>
+          <a:stretch>
+            <a:fillRect/>
+          </a:stretch>
+        </p:blipFill>
+        <p:spPr>
+          <a:xfrm>
+            <a:off x="7941205" y="-91100"/>
+            <a:ext cx="1337101" cy="1188524"/>
+          </a:xfrm>
+          <a:prstGeom prst="rect">
+            <a:avLst/>
+          </a:prstGeom>
+          <a:noFill/>
+          <a:ln>
+            <a:noFill/>
+          </a:ln>
+        </p:spPr>
+      </p:pic>
     </p:spTree>
   </p:cSld>
   <p:clrMapOvr>
@@ -7350,7 +7518,7 @@
     </p:bg>
     <p:spTree>
       <p:nvGrpSpPr>
-        <p:cNvPr id="94" name="Shape 94"/>
+        <p:cNvPr id="99" name="Shape 99"/>
         <p:cNvGrpSpPr/>
         <p:nvPr/>
       </p:nvGrpSpPr>
@@ -7364,7 +7532,7 @@
       </p:grpSpPr>
       <p:sp>
         <p:nvSpPr>
-          <p:cNvPr id="95" name="Google Shape;95;p18"/>
+          <p:cNvPr id="100" name="Google Shape;100;p18"/>
           <p:cNvSpPr txBox="1"/>
           <p:nvPr/>
         </p:nvSpPr>
@@ -7416,7 +7584,7 @@
       </p:sp>
       <p:sp>
         <p:nvSpPr>
-          <p:cNvPr id="96" name="Google Shape;96;p18"/>
+          <p:cNvPr id="101" name="Google Shape;101;p18"/>
           <p:cNvSpPr txBox="1"/>
           <p:nvPr/>
         </p:nvSpPr>
@@ -7466,6 +7634,34 @@
           </a:p>
         </p:txBody>
       </p:sp>
+      <p:pic>
+        <p:nvPicPr>
+          <p:cNvPr id="102" name="Google Shape;102;p18"/>
+          <p:cNvPicPr preferRelativeResize="0"/>
+          <p:nvPr/>
+        </p:nvPicPr>
+        <p:blipFill>
+          <a:blip r:embed="rId3">
+            <a:alphaModFix/>
+          </a:blip>
+          <a:stretch>
+            <a:fillRect/>
+          </a:stretch>
+        </p:blipFill>
+        <p:spPr>
+          <a:xfrm>
+            <a:off x="7959305" y="-76200"/>
+            <a:ext cx="1337101" cy="1188524"/>
+          </a:xfrm>
+          <a:prstGeom prst="rect">
+            <a:avLst/>
+          </a:prstGeom>
+          <a:noFill/>
+          <a:ln>
+            <a:noFill/>
+          </a:ln>
+        </p:spPr>
+      </p:pic>
     </p:spTree>
   </p:cSld>
   <p:clrMapOvr>
@@ -7475,6 +7671,285 @@
 </file>
 
 <file path=ppt/theme/theme1.xml><?xml version="1.0" encoding="utf-8"?>
+<a:theme xmlns:a="http://schemas.openxmlformats.org/drawingml/2006/main" xmlns:r="http://schemas.openxmlformats.org/officeDocument/2006/relationships">
+  <a:themeElements>
+    <a:clrScheme name="Default">
+      <a:dk1>
+        <a:srgbClr val="000000"/>
+      </a:dk1>
+      <a:lt1>
+        <a:srgbClr val="FFFFFF"/>
+      </a:lt1>
+      <a:dk2>
+        <a:srgbClr val="158158"/>
+      </a:dk2>
+      <a:lt2>
+        <a:srgbClr val="F3F3F3"/>
+      </a:lt2>
+      <a:accent1>
+        <a:srgbClr val="058DC7"/>
+      </a:accent1>
+      <a:accent2>
+        <a:srgbClr val="50B432"/>
+      </a:accent2>
+      <a:accent3>
+        <a:srgbClr val="ED561B"/>
+      </a:accent3>
+      <a:accent4>
+        <a:srgbClr val="EDEF00"/>
+      </a:accent4>
+      <a:accent5>
+        <a:srgbClr val="24CBE5"/>
+      </a:accent5>
+      <a:accent6>
+        <a:srgbClr val="64E572"/>
+      </a:accent6>
+      <a:hlink>
+        <a:srgbClr val="2200CC"/>
+      </a:hlink>
+      <a:folHlink>
+        <a:srgbClr val="551A8B"/>
+      </a:folHlink>
+    </a:clrScheme>
+    <a:fontScheme name="Office">
+      <a:majorFont>
+        <a:latin typeface="Arial"/>
+        <a:ea typeface=""/>
+        <a:cs typeface=""/>
+        <a:font script="Jpan" typeface="ＭＳ Ｐゴシック"/>
+        <a:font script="Hang" typeface="맑은 고딕"/>
+        <a:font script="Hans" typeface="宋体"/>
+        <a:font script="Hant" typeface="新細明體"/>
+        <a:font script="Arab" typeface="Times New Roman"/>
+        <a:font script="Hebr" typeface="Times New Roman"/>
+        <a:font script="Thai" typeface="Angsana New"/>
+        <a:font script="Ethi" typeface="Nyala"/>
+        <a:font script="Beng" typeface="Vrinda"/>
+        <a:font script="Gujr" typeface="Shruti"/>
+        <a:font script="Khmr" typeface="MoolBoran"/>
+        <a:font script="Knda" typeface="Tunga"/>
+        <a:font script="Guru" typeface="Raavi"/>
+        <a:font script="Cans" typeface="Euphemia"/>
+        <a:font script="Cher" typeface="Plantagenet Cherokee"/>
+        <a:font script="Yiii" typeface="Microsoft Yi Baiti"/>
+        <a:font script="Tibt" typeface="Microsoft Himalaya"/>
+        <a:font script="Thaa" typeface="MV Boli"/>
+        <a:font script="Deva" typeface="Mangal"/>
+        <a:font script="Telu" typeface="Gautami"/>
+        <a:font script="Taml" typeface="Latha"/>
+        <a:font script="Syrc" typeface="Estrangelo Edessa"/>
+        <a:font script="Orya" typeface="Kalinga"/>
+        <a:font script="Mlym" typeface="Kartika"/>
+        <a:font script="Laoo" typeface="DokChampa"/>
+        <a:font script="Sinh" typeface="Iskoola Pota"/>
+        <a:font script="Mong" typeface="Mongolian Baiti"/>
+        <a:font script="Viet" typeface="Times New Roman"/>
+        <a:font script="Uigh" typeface="Microsoft Uighur"/>
+        <a:font script="Geor" typeface="Sylfaen"/>
+      </a:majorFont>
+      <a:minorFont>
+        <a:latin typeface="Arial"/>
+        <a:ea typeface=""/>
+        <a:cs typeface=""/>
+        <a:font script="Jpan" typeface="ＭＳ Ｐゴシック"/>
+        <a:font script="Hang" typeface="맑은 고딕"/>
+        <a:font script="Hans" typeface="宋体"/>
+        <a:font script="Hant" typeface="新細明體"/>
+        <a:font script="Arab" typeface="Arial"/>
+        <a:font script="Hebr" typeface="Arial"/>
+        <a:font script="Thai" typeface="Cordia New"/>
+        <a:font script="Ethi" typeface="Nyala"/>
+        <a:font script="Beng" typeface="Vrinda"/>
+        <a:font script="Gujr" typeface="Shruti"/>
+        <a:font script="Khmr" typeface="DaunPenh"/>
+        <a:font script="Knda" typeface="Tunga"/>
+        <a:font script="Guru" typeface="Raavi"/>
+        <a:font script="Cans" typeface="Euphemia"/>
+        <a:font script="Cher" typeface="Plantagenet Cherokee"/>
+        <a:font script="Yiii" typeface="Microsoft Yi Baiti"/>
+        <a:font script="Tibt" typeface="Microsoft Himalaya"/>
+        <a:font script="Thaa" typeface="MV Boli"/>
+        <a:font script="Deva" typeface="Mangal"/>
+        <a:font script="Telu" typeface="Gautami"/>
+        <a:font script="Taml" typeface="Latha"/>
+        <a:font script="Syrc" typeface="Estrangelo Edessa"/>
+        <a:font script="Orya" typeface="Kalinga"/>
+        <a:font script="Mlym" typeface="Kartika"/>
+        <a:font script="Laoo" typeface="DokChampa"/>
+        <a:font script="Sinh" typeface="Iskoola Pota"/>
+        <a:font script="Mong" typeface="Mongolian Baiti"/>
+        <a:font script="Viet" typeface="Arial"/>
+        <a:font script="Uigh" typeface="Microsoft Uighur"/>
+        <a:font script="Geor" typeface="Sylfaen"/>
+      </a:minorFont>
+    </a:fontScheme>
+    <a:fmtScheme name="Office">
+      <a:fillStyleLst>
+        <a:solidFill>
+          <a:schemeClr val="phClr"/>
+        </a:solidFill>
+        <a:gradFill rotWithShape="1">
+          <a:gsLst>
+            <a:gs pos="0">
+              <a:schemeClr val="phClr">
+                <a:tint val="50000"/>
+                <a:satMod val="300000"/>
+              </a:schemeClr>
+            </a:gs>
+            <a:gs pos="35000">
+              <a:schemeClr val="phClr">
+                <a:tint val="37000"/>
+                <a:satMod val="300000"/>
+              </a:schemeClr>
+            </a:gs>
+            <a:gs pos="100000">
+              <a:schemeClr val="phClr">
+                <a:tint val="15000"/>
+                <a:satMod val="350000"/>
+              </a:schemeClr>
+            </a:gs>
+          </a:gsLst>
+          <a:lin ang="16200000" scaled="1"/>
+        </a:gradFill>
+        <a:gradFill rotWithShape="1">
+          <a:gsLst>
+            <a:gs pos="0">
+              <a:schemeClr val="phClr">
+                <a:tint val="100000"/>
+                <a:shade val="100000"/>
+                <a:satMod val="130000"/>
+              </a:schemeClr>
+            </a:gs>
+            <a:gs pos="100000">
+              <a:schemeClr val="phClr">
+                <a:tint val="50000"/>
+                <a:shade val="100000"/>
+                <a:satMod val="350000"/>
+              </a:schemeClr>
+            </a:gs>
+          </a:gsLst>
+          <a:lin ang="16200000" scaled="0"/>
+        </a:gradFill>
+      </a:fillStyleLst>
+      <a:lnStyleLst>
+        <a:ln w="9525" cap="flat" cmpd="sng" algn="ctr">
+          <a:solidFill>
+            <a:schemeClr val="phClr">
+              <a:shade val="95000"/>
+              <a:satMod val="105000"/>
+            </a:schemeClr>
+          </a:solidFill>
+          <a:prstDash val="solid"/>
+        </a:ln>
+        <a:ln w="25400" cap="flat" cmpd="sng" algn="ctr">
+          <a:solidFill>
+            <a:schemeClr val="phClr"/>
+          </a:solidFill>
+          <a:prstDash val="solid"/>
+        </a:ln>
+        <a:ln w="38100" cap="flat" cmpd="sng" algn="ctr">
+          <a:solidFill>
+            <a:schemeClr val="phClr"/>
+          </a:solidFill>
+          <a:prstDash val="solid"/>
+        </a:ln>
+      </a:lnStyleLst>
+      <a:effectStyleLst>
+        <a:effectStyle>
+          <a:effectLst>
+            <a:outerShdw blurRad="40000" dist="20000" dir="5400000" rotWithShape="0">
+              <a:srgbClr val="000000">
+                <a:alpha val="38000"/>
+              </a:srgbClr>
+            </a:outerShdw>
+          </a:effectLst>
+        </a:effectStyle>
+        <a:effectStyle>
+          <a:effectLst>
+            <a:outerShdw blurRad="40000" dist="23000" dir="5400000" rotWithShape="0">
+              <a:srgbClr val="000000">
+                <a:alpha val="35000"/>
+              </a:srgbClr>
+            </a:outerShdw>
+          </a:effectLst>
+        </a:effectStyle>
+        <a:effectStyle>
+          <a:effectLst>
+            <a:outerShdw blurRad="40000" dist="23000" dir="5400000" rotWithShape="0">
+              <a:srgbClr val="000000">
+                <a:alpha val="35000"/>
+              </a:srgbClr>
+            </a:outerShdw>
+          </a:effectLst>
+          <a:scene3d>
+            <a:camera prst="orthographicFront">
+              <a:rot lat="0" lon="0" rev="0"/>
+            </a:camera>
+            <a:lightRig rig="threePt" dir="t">
+              <a:rot lat="0" lon="0" rev="1200000"/>
+            </a:lightRig>
+          </a:scene3d>
+          <a:sp3d>
+            <a:bevelT w="63500" h="25400"/>
+          </a:sp3d>
+        </a:effectStyle>
+      </a:effectStyleLst>
+      <a:bgFillStyleLst>
+        <a:solidFill>
+          <a:schemeClr val="phClr"/>
+        </a:solidFill>
+        <a:gradFill rotWithShape="1">
+          <a:gsLst>
+            <a:gs pos="0">
+              <a:schemeClr val="phClr">
+                <a:tint val="40000"/>
+                <a:satMod val="350000"/>
+              </a:schemeClr>
+            </a:gs>
+            <a:gs pos="40000">
+              <a:schemeClr val="phClr">
+                <a:tint val="45000"/>
+                <a:shade val="99000"/>
+                <a:satMod val="350000"/>
+              </a:schemeClr>
+            </a:gs>
+            <a:gs pos="100000">
+              <a:schemeClr val="phClr">
+                <a:shade val="20000"/>
+                <a:satMod val="255000"/>
+              </a:schemeClr>
+            </a:gs>
+          </a:gsLst>
+          <a:path path="circle">
+            <a:fillToRect l="50000" t="-80000" r="50000" b="180000"/>
+          </a:path>
+        </a:gradFill>
+        <a:gradFill rotWithShape="1">
+          <a:gsLst>
+            <a:gs pos="0">
+              <a:schemeClr val="phClr">
+                <a:tint val="80000"/>
+                <a:satMod val="300000"/>
+              </a:schemeClr>
+            </a:gs>
+            <a:gs pos="100000">
+              <a:schemeClr val="phClr">
+                <a:shade val="30000"/>
+                <a:satMod val="200000"/>
+              </a:schemeClr>
+            </a:gs>
+          </a:gsLst>
+          <a:path path="circle">
+            <a:fillToRect l="50000" t="50000" r="50000" b="50000"/>
+          </a:path>
+        </a:gradFill>
+      </a:bgFillStyleLst>
+    </a:fmtScheme>
+  </a:themeElements>
+</a:theme>
+</file>
+
+<file path=ppt/theme/theme2.xml><?xml version="1.0" encoding="utf-8"?>
 <a:theme xmlns:a="http://schemas.openxmlformats.org/drawingml/2006/main" xmlns:r="http://schemas.openxmlformats.org/officeDocument/2006/relationships" name="Simple Light">
   <a:themeElements>
     <a:clrScheme name="Simple Light">
@@ -7751,283 +8226,4 @@
     </a:fmtScheme>
   </a:themeElements>
 </a:theme>
-</file>
-
-<file path=ppt/theme/theme2.xml><?xml version="1.0" encoding="utf-8"?>
-<a:theme xmlns:a="http://schemas.openxmlformats.org/drawingml/2006/main" xmlns:r="http://schemas.openxmlformats.org/officeDocument/2006/relationships">
-  <a:themeElements>
-    <a:clrScheme name="Default">
-      <a:dk1>
-        <a:srgbClr val="000000"/>
-      </a:dk1>
-      <a:lt1>
-        <a:srgbClr val="FFFFFF"/>
-      </a:lt1>
-      <a:dk2>
-        <a:srgbClr val="158158"/>
-      </a:dk2>
-      <a:lt2>
-        <a:srgbClr val="F3F3F3"/>
-      </a:lt2>
-      <a:accent1>
-        <a:srgbClr val="058DC7"/>
-      </a:accent1>
-      <a:accent2>
-        <a:srgbClr val="50B432"/>
-      </a:accent2>
-      <a:accent3>
-        <a:srgbClr val="ED561B"/>
-      </a:accent3>
-      <a:accent4>
-        <a:srgbClr val="EDEF00"/>
-      </a:accent4>
-      <a:accent5>
-        <a:srgbClr val="24CBE5"/>
-      </a:accent5>
-      <a:accent6>
-        <a:srgbClr val="64E572"/>
-      </a:accent6>
-      <a:hlink>
-        <a:srgbClr val="2200CC"/>
-      </a:hlink>
-      <a:folHlink>
-        <a:srgbClr val="551A8B"/>
-      </a:folHlink>
-    </a:clrScheme>
-    <a:fontScheme name="Office">
-      <a:majorFont>
-        <a:latin typeface="Arial"/>
-        <a:ea typeface=""/>
-        <a:cs typeface=""/>
-        <a:font script="Jpan" typeface="ＭＳ Ｐゴシック"/>
-        <a:font script="Hang" typeface="맑은 고딕"/>
-        <a:font script="Hans" typeface="宋体"/>
-        <a:font script="Hant" typeface="新細明體"/>
-        <a:font script="Arab" typeface="Times New Roman"/>
-        <a:font script="Hebr" typeface="Times New Roman"/>
-        <a:font script="Thai" typeface="Angsana New"/>
-        <a:font script="Ethi" typeface="Nyala"/>
-        <a:font script="Beng" typeface="Vrinda"/>
-        <a:font script="Gujr" typeface="Shruti"/>
-        <a:font script="Khmr" typeface="MoolBoran"/>
-        <a:font script="Knda" typeface="Tunga"/>
-        <a:font script="Guru" typeface="Raavi"/>
-        <a:font script="Cans" typeface="Euphemia"/>
-        <a:font script="Cher" typeface="Plantagenet Cherokee"/>
-        <a:font script="Yiii" typeface="Microsoft Yi Baiti"/>
-        <a:font script="Tibt" typeface="Microsoft Himalaya"/>
-        <a:font script="Thaa" typeface="MV Boli"/>
-        <a:font script="Deva" typeface="Mangal"/>
-        <a:font script="Telu" typeface="Gautami"/>
-        <a:font script="Taml" typeface="Latha"/>
-        <a:font script="Syrc" typeface="Estrangelo Edessa"/>
-        <a:font script="Orya" typeface="Kalinga"/>
-        <a:font script="Mlym" typeface="Kartika"/>
-        <a:font script="Laoo" typeface="DokChampa"/>
-        <a:font script="Sinh" typeface="Iskoola Pota"/>
-        <a:font script="Mong" typeface="Mongolian Baiti"/>
-        <a:font script="Viet" typeface="Times New Roman"/>
-        <a:font script="Uigh" typeface="Microsoft Uighur"/>
-        <a:font script="Geor" typeface="Sylfaen"/>
-      </a:majorFont>
-      <a:minorFont>
-        <a:latin typeface="Arial"/>
-        <a:ea typeface=""/>
-        <a:cs typeface=""/>
-        <a:font script="Jpan" typeface="ＭＳ Ｐゴシック"/>
-        <a:font script="Hang" typeface="맑은 고딕"/>
-        <a:font script="Hans" typeface="宋体"/>
-        <a:font script="Hant" typeface="新細明體"/>
-        <a:font script="Arab" typeface="Arial"/>
-        <a:font script="Hebr" typeface="Arial"/>
-        <a:font script="Thai" typeface="Cordia New"/>
-        <a:font script="Ethi" typeface="Nyala"/>
-        <a:font script="Beng" typeface="Vrinda"/>
-        <a:font script="Gujr" typeface="Shruti"/>
-        <a:font script="Khmr" typeface="DaunPenh"/>
-        <a:font script="Knda" typeface="Tunga"/>
-        <a:font script="Guru" typeface="Raavi"/>
-        <a:font script="Cans" typeface="Euphemia"/>
-        <a:font script="Cher" typeface="Plantagenet Cherokee"/>
-        <a:font script="Yiii" typeface="Microsoft Yi Baiti"/>
-        <a:font script="Tibt" typeface="Microsoft Himalaya"/>
-        <a:font script="Thaa" typeface="MV Boli"/>
-        <a:font script="Deva" typeface="Mangal"/>
-        <a:font script="Telu" typeface="Gautami"/>
-        <a:font script="Taml" typeface="Latha"/>
-        <a:font script="Syrc" typeface="Estrangelo Edessa"/>
-        <a:font script="Orya" typeface="Kalinga"/>
-        <a:font script="Mlym" typeface="Kartika"/>
-        <a:font script="Laoo" typeface="DokChampa"/>
-        <a:font script="Sinh" typeface="Iskoola Pota"/>
-        <a:font script="Mong" typeface="Mongolian Baiti"/>
-        <a:font script="Viet" typeface="Arial"/>
-        <a:font script="Uigh" typeface="Microsoft Uighur"/>
-        <a:font script="Geor" typeface="Sylfaen"/>
-      </a:minorFont>
-    </a:fontScheme>
-    <a:fmtScheme name="Office">
-      <a:fillStyleLst>
-        <a:solidFill>
-          <a:schemeClr val="phClr"/>
-        </a:solidFill>
-        <a:gradFill rotWithShape="1">
-          <a:gsLst>
-            <a:gs pos="0">
-              <a:schemeClr val="phClr">
-                <a:tint val="50000"/>
-                <a:satMod val="300000"/>
-              </a:schemeClr>
-            </a:gs>
-            <a:gs pos="35000">
-              <a:schemeClr val="phClr">
-                <a:tint val="37000"/>
-                <a:satMod val="300000"/>
-              </a:schemeClr>
-            </a:gs>
-            <a:gs pos="100000">
-              <a:schemeClr val="phClr">
-                <a:tint val="15000"/>
-                <a:satMod val="350000"/>
-              </a:schemeClr>
-            </a:gs>
-          </a:gsLst>
-          <a:lin ang="16200000" scaled="1"/>
-        </a:gradFill>
-        <a:gradFill rotWithShape="1">
-          <a:gsLst>
-            <a:gs pos="0">
-              <a:schemeClr val="phClr">
-                <a:tint val="100000"/>
-                <a:shade val="100000"/>
-                <a:satMod val="130000"/>
-              </a:schemeClr>
-            </a:gs>
-            <a:gs pos="100000">
-              <a:schemeClr val="phClr">
-                <a:tint val="50000"/>
-                <a:shade val="100000"/>
-                <a:satMod val="350000"/>
-              </a:schemeClr>
-            </a:gs>
-          </a:gsLst>
-          <a:lin ang="16200000" scaled="0"/>
-        </a:gradFill>
-      </a:fillStyleLst>
-      <a:lnStyleLst>
-        <a:ln w="9525" cap="flat" cmpd="sng" algn="ctr">
-          <a:solidFill>
-            <a:schemeClr val="phClr">
-              <a:shade val="95000"/>
-              <a:satMod val="105000"/>
-            </a:schemeClr>
-          </a:solidFill>
-          <a:prstDash val="solid"/>
-        </a:ln>
-        <a:ln w="25400" cap="flat" cmpd="sng" algn="ctr">
-          <a:solidFill>
-            <a:schemeClr val="phClr"/>
-          </a:solidFill>
-          <a:prstDash val="solid"/>
-        </a:ln>
-        <a:ln w="38100" cap="flat" cmpd="sng" algn="ctr">
-          <a:solidFill>
-            <a:schemeClr val="phClr"/>
-          </a:solidFill>
-          <a:prstDash val="solid"/>
-        </a:ln>
-      </a:lnStyleLst>
-      <a:effectStyleLst>
-        <a:effectStyle>
-          <a:effectLst>
-            <a:outerShdw blurRad="40000" dist="20000" dir="5400000" rotWithShape="0">
-              <a:srgbClr val="000000">
-                <a:alpha val="38000"/>
-              </a:srgbClr>
-            </a:outerShdw>
-          </a:effectLst>
-        </a:effectStyle>
-        <a:effectStyle>
-          <a:effectLst>
-            <a:outerShdw blurRad="40000" dist="23000" dir="5400000" rotWithShape="0">
-              <a:srgbClr val="000000">
-                <a:alpha val="35000"/>
-              </a:srgbClr>
-            </a:outerShdw>
-          </a:effectLst>
-        </a:effectStyle>
-        <a:effectStyle>
-          <a:effectLst>
-            <a:outerShdw blurRad="40000" dist="23000" dir="5400000" rotWithShape="0">
-              <a:srgbClr val="000000">
-                <a:alpha val="35000"/>
-              </a:srgbClr>
-            </a:outerShdw>
-          </a:effectLst>
-          <a:scene3d>
-            <a:camera prst="orthographicFront">
-              <a:rot lat="0" lon="0" rev="0"/>
-            </a:camera>
-            <a:lightRig rig="threePt" dir="t">
-              <a:rot lat="0" lon="0" rev="1200000"/>
-            </a:lightRig>
-          </a:scene3d>
-          <a:sp3d>
-            <a:bevelT w="63500" h="25400"/>
-          </a:sp3d>
-        </a:effectStyle>
-      </a:effectStyleLst>
-      <a:bgFillStyleLst>
-        <a:solidFill>
-          <a:schemeClr val="phClr"/>
-        </a:solidFill>
-        <a:gradFill rotWithShape="1">
-          <a:gsLst>
-            <a:gs pos="0">
-              <a:schemeClr val="phClr">
-                <a:tint val="40000"/>
-                <a:satMod val="350000"/>
-              </a:schemeClr>
-            </a:gs>
-            <a:gs pos="40000">
-              <a:schemeClr val="phClr">
-                <a:tint val="45000"/>
-                <a:shade val="99000"/>
-                <a:satMod val="350000"/>
-              </a:schemeClr>
-            </a:gs>
-            <a:gs pos="100000">
-              <a:schemeClr val="phClr">
-                <a:shade val="20000"/>
-                <a:satMod val="255000"/>
-              </a:schemeClr>
-            </a:gs>
-          </a:gsLst>
-          <a:path path="circle">
-            <a:fillToRect l="50000" t="-80000" r="50000" b="180000"/>
-          </a:path>
-        </a:gradFill>
-        <a:gradFill rotWithShape="1">
-          <a:gsLst>
-            <a:gs pos="0">
-              <a:schemeClr val="phClr">
-                <a:tint val="80000"/>
-                <a:satMod val="300000"/>
-              </a:schemeClr>
-            </a:gs>
-            <a:gs pos="100000">
-              <a:schemeClr val="phClr">
-                <a:shade val="30000"/>
-                <a:satMod val="200000"/>
-              </a:schemeClr>
-            </a:gs>
-          </a:gsLst>
-          <a:path path="circle">
-            <a:fillToRect l="50000" t="50000" r="50000" b="50000"/>
-          </a:path>
-        </a:gradFill>
-      </a:bgFillStyleLst>
-    </a:fmtScheme>
-  </a:themeElements>
-</a:theme>
 </file>
--- a/Slide_presentation/Présentation Projet Californie.pptx
+++ b/Slide_presentation/Présentation Projet Californie.pptx
@@ -1101,7 +1101,7 @@
   <p:cSld>
     <p:spTree>
       <p:nvGrpSpPr>
-        <p:cNvPr id="85" name="Shape 85"/>
+        <p:cNvPr id="86" name="Shape 86"/>
         <p:cNvGrpSpPr/>
         <p:nvPr/>
       </p:nvGrpSpPr>
@@ -1115,7 +1115,7 @@
       </p:grpSpPr>
       <p:sp>
         <p:nvSpPr>
-          <p:cNvPr id="86" name="Google Shape;86;gf2a41f69eb_0_158:notes"/>
+          <p:cNvPr id="87" name="Google Shape;87;gf2a41f69eb_0_158:notes"/>
           <p:cNvSpPr/>
           <p:nvPr>
             <p:ph idx="2" type="sldImg"/>
@@ -1150,7 +1150,7 @@
       </p:sp>
       <p:sp>
         <p:nvSpPr>
-          <p:cNvPr id="87" name="Google Shape;87;gf2a41f69eb_0_158:notes"/>
+          <p:cNvPr id="88" name="Google Shape;88;gf2a41f69eb_0_158:notes"/>
           <p:cNvSpPr txBox="1"/>
           <p:nvPr>
             <p:ph idx="1" type="body"/>
@@ -1200,7 +1200,7 @@
   <p:cSld>
     <p:spTree>
       <p:nvGrpSpPr>
-        <p:cNvPr id="96" name="Shape 96"/>
+        <p:cNvPr id="97" name="Shape 97"/>
         <p:cNvGrpSpPr/>
         <p:nvPr/>
       </p:nvGrpSpPr>
@@ -1214,7 +1214,7 @@
       </p:grpSpPr>
       <p:sp>
         <p:nvSpPr>
-          <p:cNvPr id="97" name="Google Shape;97;gf2a41f69eb_0_162:notes"/>
+          <p:cNvPr id="98" name="Google Shape;98;gf2a41f69eb_0_162:notes"/>
           <p:cNvSpPr/>
           <p:nvPr>
             <p:ph idx="2" type="sldImg"/>
@@ -1249,7 +1249,7 @@
       </p:sp>
       <p:sp>
         <p:nvSpPr>
-          <p:cNvPr id="98" name="Google Shape;98;gf2a41f69eb_0_162:notes"/>
+          <p:cNvPr id="99" name="Google Shape;99;gf2a41f69eb_0_162:notes"/>
           <p:cNvSpPr txBox="1"/>
           <p:nvPr>
             <p:ph idx="1" type="body"/>
@@ -6834,9 +6834,13 @@
             </a:pPr>
             <a:r>
               <a:rPr lang="fr" sz="1000"/>
-              <a:t>&lt;1H OCEAN = 1.0</a:t>
+              <a:t>&lt;1H OCEAN =</a:t>
             </a:r>
-            <a:endParaRPr sz="1000"/>
+            <a:r>
+              <a:rPr b="1" lang="fr" sz="1000"/>
+              <a:t> 1.0</a:t>
+            </a:r>
+            <a:endParaRPr b="1" sz="1000"/>
           </a:p>
           <a:p>
             <a:pPr indent="0" lvl="0" marL="0" rtl="0" algn="l">
@@ -6850,9 +6854,13 @@
             </a:pPr>
             <a:r>
               <a:rPr lang="fr" sz="1000"/>
-              <a:t>INLAND = 2.0</a:t>
+              <a:t>INLAND = </a:t>
             </a:r>
-            <a:endParaRPr sz="1000"/>
+            <a:r>
+              <a:rPr b="1" lang="fr" sz="1000"/>
+              <a:t>2.0</a:t>
+            </a:r>
+            <a:endParaRPr b="1" sz="1000"/>
           </a:p>
           <a:p>
             <a:pPr indent="0" lvl="0" marL="0" rtl="0" algn="l">
@@ -6866,9 +6874,13 @@
             </a:pPr>
             <a:r>
               <a:rPr lang="fr" sz="1000"/>
-              <a:t>NEAR OCEAN = 3.0</a:t>
+              <a:t>NEAR OCEAN = </a:t>
             </a:r>
-            <a:endParaRPr sz="1000"/>
+            <a:r>
+              <a:rPr b="1" lang="fr" sz="1000"/>
+              <a:t>3.0</a:t>
+            </a:r>
+            <a:endParaRPr b="1" sz="1000"/>
           </a:p>
           <a:p>
             <a:pPr indent="0" lvl="0" marL="0" rtl="0" algn="l">
@@ -6882,9 +6894,13 @@
             </a:pPr>
             <a:r>
               <a:rPr lang="fr" sz="1000"/>
-              <a:t>NEAR BAY = 4.0</a:t>
+              <a:t>NEAR BAY = </a:t>
             </a:r>
-            <a:endParaRPr sz="1000"/>
+            <a:r>
+              <a:rPr b="1" lang="fr" sz="1000"/>
+              <a:t>4.0</a:t>
+            </a:r>
+            <a:endParaRPr b="1" sz="1000"/>
           </a:p>
           <a:p>
             <a:pPr indent="0" lvl="0" marL="0" rtl="0" algn="l">
@@ -6898,9 +6914,13 @@
             </a:pPr>
             <a:r>
               <a:rPr lang="fr" sz="1000"/>
-              <a:t>ISLAND = 5.0</a:t>
+              <a:t>ISLAND =</a:t>
             </a:r>
-            <a:endParaRPr sz="1000"/>
+            <a:r>
+              <a:rPr b="1" lang="fr" sz="1000"/>
+              <a:t> 5.0</a:t>
+            </a:r>
+            <a:endParaRPr b="1" sz="1000"/>
           </a:p>
         </p:txBody>
       </p:sp>
@@ -7190,6 +7210,95 @@
           </a:ln>
         </p:spPr>
       </p:pic>
+      <p:sp>
+        <p:nvSpPr>
+          <p:cNvPr id="85" name="Google Shape;85;p16"/>
+          <p:cNvSpPr txBox="1"/>
+          <p:nvPr/>
+        </p:nvSpPr>
+        <p:spPr>
+          <a:xfrm>
+            <a:off x="7721975" y="2148725"/>
+            <a:ext cx="953400" cy="954300"/>
+          </a:xfrm>
+          <a:prstGeom prst="rect">
+            <a:avLst/>
+          </a:prstGeom>
+          <a:noFill/>
+          <a:ln>
+            <a:noFill/>
+          </a:ln>
+        </p:spPr>
+        <p:txBody>
+          <a:bodyPr anchorCtr="0" anchor="t" bIns="91425" lIns="91425" spcFirstLastPara="1" rIns="91425" wrap="square" tIns="91425">
+            <a:spAutoFit/>
+          </a:bodyPr>
+          <a:lstStyle/>
+          <a:p>
+            <a:pPr indent="0" lvl="0" marL="0" rtl="0" algn="l">
+              <a:spcBef>
+                <a:spcPts val="0"/>
+              </a:spcBef>
+              <a:spcAft>
+                <a:spcPts val="0"/>
+              </a:spcAft>
+              <a:buNone/>
+            </a:pPr>
+            <a:r>
+              <a:rPr lang="fr" sz="1000">
+                <a:solidFill>
+                  <a:srgbClr val="0000FF"/>
+                </a:solidFill>
+              </a:rPr>
+              <a:t>Blue</a:t>
+            </a:r>
+            <a:r>
+              <a:rPr lang="fr" sz="1000"/>
+              <a:t> : valeurs testées</a:t>
+            </a:r>
+            <a:endParaRPr sz="1000"/>
+          </a:p>
+          <a:p>
+            <a:pPr indent="0" lvl="0" marL="0" rtl="0" algn="l">
+              <a:spcBef>
+                <a:spcPts val="0"/>
+              </a:spcBef>
+              <a:spcAft>
+                <a:spcPts val="0"/>
+              </a:spcAft>
+              <a:buNone/>
+            </a:pPr>
+            <a:r>
+              <a:t/>
+            </a:r>
+            <a:endParaRPr sz="1000"/>
+          </a:p>
+          <a:p>
+            <a:pPr indent="0" lvl="0" marL="0" rtl="0" algn="l">
+              <a:spcBef>
+                <a:spcPts val="0"/>
+              </a:spcBef>
+              <a:spcAft>
+                <a:spcPts val="0"/>
+              </a:spcAft>
+              <a:buNone/>
+            </a:pPr>
+            <a:r>
+              <a:rPr lang="fr" sz="1000">
+                <a:solidFill>
+                  <a:srgbClr val="FF0000"/>
+                </a:solidFill>
+              </a:rPr>
+              <a:t>Red </a:t>
+            </a:r>
+            <a:r>
+              <a:rPr lang="fr" sz="1000"/>
+              <a:t>: Valeurs prédites</a:t>
+            </a:r>
+            <a:endParaRPr sz="1000"/>
+          </a:p>
+        </p:txBody>
+      </p:sp>
     </p:spTree>
   </p:cSld>
   <p:clrMapOvr>
@@ -7218,7 +7327,7 @@
     </p:bg>
     <p:spTree>
       <p:nvGrpSpPr>
-        <p:cNvPr id="88" name="Shape 88"/>
+        <p:cNvPr id="89" name="Shape 89"/>
         <p:cNvGrpSpPr/>
         <p:nvPr/>
       </p:nvGrpSpPr>
@@ -7232,7 +7341,7 @@
       </p:grpSpPr>
       <p:sp>
         <p:nvSpPr>
-          <p:cNvPr id="89" name="Google Shape;89;p17"/>
+          <p:cNvPr id="90" name="Google Shape;90;p17"/>
           <p:cNvSpPr txBox="1"/>
           <p:nvPr/>
         </p:nvSpPr>
@@ -7296,7 +7405,7 @@
       </p:sp>
       <p:pic>
         <p:nvPicPr>
-          <p:cNvPr id="90" name="Google Shape;90;p17"/>
+          <p:cNvPr id="91" name="Google Shape;91;p17"/>
           <p:cNvPicPr preferRelativeResize="0"/>
           <p:nvPr/>
         </p:nvPicPr>
@@ -7324,7 +7433,7 @@
       </p:pic>
       <p:pic>
         <p:nvPicPr>
-          <p:cNvPr id="91" name="Google Shape;91;p17"/>
+          <p:cNvPr id="92" name="Google Shape;92;p17"/>
           <p:cNvPicPr preferRelativeResize="0"/>
           <p:nvPr/>
         </p:nvPicPr>
@@ -7352,7 +7461,7 @@
       </p:pic>
       <p:sp>
         <p:nvSpPr>
-          <p:cNvPr id="92" name="Google Shape;92;p17"/>
+          <p:cNvPr id="93" name="Google Shape;93;p17"/>
           <p:cNvSpPr txBox="1"/>
           <p:nvPr/>
         </p:nvSpPr>
@@ -7394,7 +7503,7 @@
       </p:sp>
       <p:pic>
         <p:nvPicPr>
-          <p:cNvPr id="93" name="Google Shape;93;p17"/>
+          <p:cNvPr id="94" name="Google Shape;94;p17"/>
           <p:cNvPicPr preferRelativeResize="0"/>
           <p:nvPr/>
         </p:nvPicPr>
@@ -7422,7 +7531,7 @@
       </p:pic>
       <p:sp>
         <p:nvSpPr>
-          <p:cNvPr id="94" name="Google Shape;94;p17"/>
+          <p:cNvPr id="95" name="Google Shape;95;p17"/>
           <p:cNvSpPr txBox="1"/>
           <p:nvPr/>
         </p:nvSpPr>
@@ -7464,7 +7573,7 @@
       </p:sp>
       <p:pic>
         <p:nvPicPr>
-          <p:cNvPr id="95" name="Google Shape;95;p17"/>
+          <p:cNvPr id="96" name="Google Shape;96;p17"/>
           <p:cNvPicPr preferRelativeResize="0"/>
           <p:nvPr/>
         </p:nvPicPr>
@@ -7518,7 +7627,7 @@
     </p:bg>
     <p:spTree>
       <p:nvGrpSpPr>
-        <p:cNvPr id="99" name="Shape 99"/>
+        <p:cNvPr id="100" name="Shape 100"/>
         <p:cNvGrpSpPr/>
         <p:nvPr/>
       </p:nvGrpSpPr>
@@ -7532,7 +7641,7 @@
       </p:grpSpPr>
       <p:sp>
         <p:nvSpPr>
-          <p:cNvPr id="100" name="Google Shape;100;p18"/>
+          <p:cNvPr id="101" name="Google Shape;101;p18"/>
           <p:cNvSpPr txBox="1"/>
           <p:nvPr/>
         </p:nvSpPr>
@@ -7584,7 +7693,7 @@
       </p:sp>
       <p:sp>
         <p:nvSpPr>
-          <p:cNvPr id="101" name="Google Shape;101;p18"/>
+          <p:cNvPr id="102" name="Google Shape;102;p18"/>
           <p:cNvSpPr txBox="1"/>
           <p:nvPr/>
         </p:nvSpPr>
@@ -7636,7 +7745,7 @@
       </p:sp>
       <p:pic>
         <p:nvPicPr>
-          <p:cNvPr id="102" name="Google Shape;102;p18"/>
+          <p:cNvPr id="103" name="Google Shape;103;p18"/>
           <p:cNvPicPr preferRelativeResize="0"/>
           <p:nvPr/>
         </p:nvPicPr>
